--- a/documents/ORNL Workshop - Overview of BioLUC Data.pptx
+++ b/documents/ORNL Workshop - Overview of BioLUC Data.pptx
@@ -203,7 +203,7 @@
             <a:fld id="{62430CC7-8C13-4D51-BC46-B95A4AC4A04B}" type="datetimeFigureOut">
               <a:rPr lang="en-US" smtClean="0"/>
               <a:pPr/>
-              <a:t>5/3/2013</a:t>
+              <a:t>5/7/2013</a:t>
             </a:fld>
             <a:endParaRPr lang="en-US"/>
           </a:p>
@@ -1371,7 +1371,7 @@
           <a:p>
             <a:fld id="{0F68253A-36DD-478E-96DF-0889FC851481}" type="datetimeFigureOut">
               <a:rPr lang="en-US" smtClean="0"/>
-              <a:t>5/3/2013</a:t>
+              <a:t>5/7/2013</a:t>
             </a:fld>
             <a:endParaRPr lang="en-US" dirty="0"/>
           </a:p>
@@ -5034,7 +5034,7 @@
           <a:p>
             <a:r>
               <a:rPr lang="en-US" dirty="0" smtClean="0"/>
-              <a:t>Data Resolution</a:t>
+              <a:t>Model and Data Resolution</a:t>
             </a:r>
           </a:p>
           <a:p>
@@ -5043,21 +5043,22 @@
           <a:p>
             <a:r>
               <a:rPr lang="en-US" dirty="0" smtClean="0"/>
-              <a:t>Data </a:t>
+              <a:t>Data Processing for Model Use</a:t>
+            </a:r>
+          </a:p>
+          <a:p>
+            <a:endParaRPr lang="en-US" dirty="0" smtClean="0"/>
+          </a:p>
+          <a:p>
+            <a:r>
+              <a:rPr lang="en-US" dirty="0" err="1" smtClean="0"/>
+              <a:t>BioLUC</a:t>
             </a:r>
             <a:r>
               <a:rPr lang="en-US" dirty="0" smtClean="0"/>
-              <a:t>Processing for Model Use</a:t>
-            </a:r>
-          </a:p>
-          <a:p>
-            <a:endParaRPr lang="en-US" dirty="0" smtClean="0"/>
-          </a:p>
-          <a:p>
-            <a:r>
-              <a:rPr lang="en-US" dirty="0"/>
-              <a:t>Comparison and Contrast w/ GTAP</a:t>
-            </a:r>
+              <a:t> and GTAP Comparison</a:t>
+            </a:r>
+            <a:endParaRPr lang="en-US" dirty="0"/>
           </a:p>
           <a:p>
             <a:endParaRPr lang="en-US" dirty="0"/>
@@ -5191,8 +5192,8 @@
         </p:nvSpPr>
         <p:spPr>
           <a:xfrm>
-            <a:off x="0" y="1066800"/>
-            <a:ext cx="8382000" cy="1600200"/>
+            <a:off x="0" y="990600"/>
+            <a:ext cx="8382000" cy="1676400"/>
           </a:xfrm>
           <a:prstGeom prst="flowChartAlternateProcess">
             <a:avLst/>
@@ -7243,98 +7244,6 @@
           </a:p>
         </p:txBody>
       </p:sp>
-      <p:sp>
-        <p:nvSpPr>
-          <p:cNvPr id="4" name="Rectangle 3"/>
-          <p:cNvSpPr/>
-          <p:nvPr/>
-        </p:nvSpPr>
-        <p:spPr>
-          <a:xfrm>
-            <a:off x="6070695" y="2438400"/>
-            <a:ext cx="2463705" cy="762000"/>
-          </a:xfrm>
-          <a:prstGeom prst="rect">
-            <a:avLst/>
-          </a:prstGeom>
-          <a:noFill/>
-          <a:ln w="63500">
-            <a:solidFill>
-              <a:srgbClr val="FF0000"/>
-            </a:solidFill>
-          </a:ln>
-        </p:spPr>
-        <p:style>
-          <a:lnRef idx="2">
-            <a:schemeClr val="accent1">
-              <a:shade val="50000"/>
-            </a:schemeClr>
-          </a:lnRef>
-          <a:fillRef idx="1">
-            <a:schemeClr val="accent1"/>
-          </a:fillRef>
-          <a:effectRef idx="0">
-            <a:schemeClr val="accent1"/>
-          </a:effectRef>
-          <a:fontRef idx="minor">
-            <a:schemeClr val="lt1"/>
-          </a:fontRef>
-        </p:style>
-        <p:txBody>
-          <a:bodyPr rtlCol="0" anchor="ctr"/>
-          <a:lstStyle/>
-          <a:p>
-            <a:pPr algn="ctr"/>
-            <a:endParaRPr lang="en-US"/>
-          </a:p>
-        </p:txBody>
-      </p:sp>
-      <p:sp>
-        <p:nvSpPr>
-          <p:cNvPr id="6" name="Rectangle 5"/>
-          <p:cNvSpPr/>
-          <p:nvPr/>
-        </p:nvSpPr>
-        <p:spPr>
-          <a:xfrm>
-            <a:off x="6043230" y="4495800"/>
-            <a:ext cx="2487134" cy="457200"/>
-          </a:xfrm>
-          <a:prstGeom prst="rect">
-            <a:avLst/>
-          </a:prstGeom>
-          <a:noFill/>
-          <a:ln w="63500">
-            <a:solidFill>
-              <a:srgbClr val="FF0000"/>
-            </a:solidFill>
-          </a:ln>
-        </p:spPr>
-        <p:style>
-          <a:lnRef idx="2">
-            <a:schemeClr val="accent1">
-              <a:shade val="50000"/>
-            </a:schemeClr>
-          </a:lnRef>
-          <a:fillRef idx="1">
-            <a:schemeClr val="accent1"/>
-          </a:fillRef>
-          <a:effectRef idx="0">
-            <a:schemeClr val="accent1"/>
-          </a:effectRef>
-          <a:fontRef idx="minor">
-            <a:schemeClr val="lt1"/>
-          </a:fontRef>
-        </p:style>
-        <p:txBody>
-          <a:bodyPr rtlCol="0" anchor="ctr"/>
-          <a:lstStyle/>
-          <a:p>
-            <a:pPr algn="ctr"/>
-            <a:endParaRPr lang="en-US"/>
-          </a:p>
-        </p:txBody>
-      </p:sp>
       <p:grpSp>
         <p:nvGrpSpPr>
           <p:cNvPr id="9" name="Group 8"/>
@@ -7567,7 +7476,7 @@
                                           </p:stCondLst>
                                         </p:cTn>
                                         <p:tgtEl>
-                                          <p:spTgt spid="4"/>
+                                          <p:spTgt spid="16"/>
                                         </p:tgtEl>
                                         <p:attrNameLst>
                                           <p:attrName>style.visibility</p:attrName>
@@ -7599,7 +7508,7 @@
                             </p:stCondLst>
                             <p:childTnLst>
                               <p:par>
-                                <p:cTn id="9" presetID="1" presetClass="entr" presetSubtype="0" fill="hold" grpId="0" nodeType="clickEffect">
+                                <p:cTn id="9" presetID="1" presetClass="entr" presetSubtype="0" fill="hold" nodeType="clickEffect">
                                   <p:stCondLst>
                                     <p:cond delay="0"/>
                                   </p:stCondLst>
@@ -7607,96 +7516,6 @@
                                     <p:set>
                                       <p:cBhvr>
                                         <p:cTn id="10" dur="1" fill="hold">
-                                          <p:stCondLst>
-                                            <p:cond delay="0"/>
-                                          </p:stCondLst>
-                                        </p:cTn>
-                                        <p:tgtEl>
-                                          <p:spTgt spid="6"/>
-                                        </p:tgtEl>
-                                        <p:attrNameLst>
-                                          <p:attrName>style.visibility</p:attrName>
-                                        </p:attrNameLst>
-                                      </p:cBhvr>
-                                      <p:to>
-                                        <p:strVal val="visible"/>
-                                      </p:to>
-                                    </p:set>
-                                  </p:childTnLst>
-                                </p:cTn>
-                              </p:par>
-                            </p:childTnLst>
-                          </p:cTn>
-                        </p:par>
-                      </p:childTnLst>
-                    </p:cTn>
-                  </p:par>
-                  <p:par>
-                    <p:cTn id="11" fill="hold">
-                      <p:stCondLst>
-                        <p:cond delay="indefinite"/>
-                      </p:stCondLst>
-                      <p:childTnLst>
-                        <p:par>
-                          <p:cTn id="12" fill="hold">
-                            <p:stCondLst>
-                              <p:cond delay="0"/>
-                            </p:stCondLst>
-                            <p:childTnLst>
-                              <p:par>
-                                <p:cTn id="13" presetID="1" presetClass="entr" presetSubtype="0" fill="hold" grpId="0" nodeType="clickEffect">
-                                  <p:stCondLst>
-                                    <p:cond delay="0"/>
-                                  </p:stCondLst>
-                                  <p:childTnLst>
-                                    <p:set>
-                                      <p:cBhvr>
-                                        <p:cTn id="14" dur="1" fill="hold">
-                                          <p:stCondLst>
-                                            <p:cond delay="0"/>
-                                          </p:stCondLst>
-                                        </p:cTn>
-                                        <p:tgtEl>
-                                          <p:spTgt spid="16"/>
-                                        </p:tgtEl>
-                                        <p:attrNameLst>
-                                          <p:attrName>style.visibility</p:attrName>
-                                        </p:attrNameLst>
-                                      </p:cBhvr>
-                                      <p:to>
-                                        <p:strVal val="visible"/>
-                                      </p:to>
-                                    </p:set>
-                                  </p:childTnLst>
-                                </p:cTn>
-                              </p:par>
-                            </p:childTnLst>
-                          </p:cTn>
-                        </p:par>
-                      </p:childTnLst>
-                    </p:cTn>
-                  </p:par>
-                  <p:par>
-                    <p:cTn id="15" fill="hold">
-                      <p:stCondLst>
-                        <p:cond delay="indefinite"/>
-                      </p:stCondLst>
-                      <p:childTnLst>
-                        <p:par>
-                          <p:cTn id="16" fill="hold">
-                            <p:stCondLst>
-                              <p:cond delay="0"/>
-                            </p:stCondLst>
-                            <p:childTnLst>
-                              <p:par>
-                                <p:cTn id="17" presetID="1" presetClass="entr" presetSubtype="0" fill="hold" nodeType="clickEffect">
-                                  <p:stCondLst>
-                                    <p:cond delay="0"/>
-                                  </p:stCondLst>
-                                  <p:childTnLst>
-                                    <p:set>
-                                      <p:cBhvr>
-                                        <p:cTn id="18" dur="1" fill="hold">
                                           <p:stCondLst>
                                             <p:cond delay="0"/>
                                           </p:stCondLst>
@@ -7743,8 +7562,6 @@
       </p:par>
     </p:tnLst>
     <p:bldLst>
-      <p:bldP spid="4" grpId="0" animBg="1"/>
-      <p:bldP spid="6" grpId="0" animBg="1"/>
       <p:bldP spid="16" grpId="0" animBg="1"/>
     </p:bldLst>
   </p:timing>
@@ -11096,7 +10913,7 @@
             <a:pPr algn="ctr"/>
             <a:r>
               <a:rPr lang="en-US" sz="3200" dirty="0" smtClean="0"/>
-              <a:t>Major Differences Between </a:t>
+              <a:t>Comparison of </a:t>
             </a:r>
             <a:r>
               <a:rPr lang="en-US" sz="3200" dirty="0" err="1" smtClean="0"/>
@@ -11163,7 +10980,7 @@
             </a:r>
             <a:r>
               <a:rPr lang="en-US" dirty="0" smtClean="0"/>
-              <a:t>ccounting of “Other” land</a:t>
+              <a:t>ccounting of Abandoned and Fallow land</a:t>
             </a:r>
           </a:p>
           <a:p>
@@ -11305,8 +11122,13 @@
           <a:p>
             <a:r>
               <a:rPr lang="en-US" dirty="0" smtClean="0"/>
-              <a:t>Data Exogenous w/ internal model feedback or stock and flow accounting</a:t>
-            </a:r>
+              <a:t>Exogenous Data w/ internal model feedback and stock and flow </a:t>
+            </a:r>
+            <a:r>
+              <a:rPr lang="en-US" dirty="0" smtClean="0"/>
+              <a:t>accounting of agricultural land use</a:t>
+            </a:r>
+            <a:endParaRPr lang="en-US" dirty="0" smtClean="0"/>
           </a:p>
           <a:p>
             <a:r>
@@ -11325,8 +11147,17 @@
             <a:pPr lvl="1"/>
             <a:r>
               <a:rPr lang="en-US" dirty="0" smtClean="0"/>
-              <a:t>Yield scenarios (except pasture)</a:t>
-            </a:r>
+              <a:t>Yield scenarios (</a:t>
+            </a:r>
+            <a:r>
+              <a:rPr lang="en-US" smtClean="0"/>
+              <a:t>except </a:t>
+            </a:r>
+            <a:r>
+              <a:rPr lang="en-US" smtClean="0"/>
+              <a:t>pasture)</a:t>
+            </a:r>
+            <a:endParaRPr lang="en-US" dirty="0" smtClean="0"/>
           </a:p>
           <a:p>
             <a:pPr lvl="1"/>
@@ -11336,6 +11167,13 @@
             </a:r>
           </a:p>
           <a:p>
+            <a:pPr lvl="1"/>
+            <a:r>
+              <a:rPr lang="en-US" dirty="0" smtClean="0"/>
+              <a:t>Land initializations</a:t>
+            </a:r>
+          </a:p>
+          <a:p>
             <a:r>
               <a:rPr lang="en-US" dirty="0" smtClean="0"/>
               <a:t>Relative Data Weaknesses</a:t>
@@ -11345,7 +11183,7 @@
             <a:pPr lvl="1"/>
             <a:r>
               <a:rPr lang="en-US" dirty="0" smtClean="0"/>
-              <a:t>Resolution of meat cross-walks</a:t>
+              <a:t>Resolution and temporal dimensions of meat cross-walks</a:t>
             </a:r>
           </a:p>
           <a:p>
@@ -11359,7 +11197,7 @@
             <a:pPr lvl="1"/>
             <a:r>
               <a:rPr lang="en-US" dirty="0" smtClean="0"/>
-              <a:t>Non-U.S. mid-to-long term biofuel assumptions</a:t>
+              <a:t>Non-U.S. future term biofuel assumptions</a:t>
             </a:r>
           </a:p>
           <a:p>
